--- a/report/presentation/fx-processor.pptx
+++ b/report/presentation/fx-processor.pptx
@@ -116,6 +116,11 @@
       </a:defRPr>
     </a:lvl9pPr>
   </p:defaultTextStyle>
+  <p:extLst>
+    <p:ext uri="{EFAFB233-063F-42B5-8137-9DF3F51BA10A}">
+      <p15:sldGuideLst xmlns:p15="http://schemas.microsoft.com/office/powerpoint/2012/main"/>
+    </p:ext>
+  </p:extLst>
 </p:presentation>
 </file>
 
@@ -4182,15 +4187,21 @@
             <p:ph type="ctrTitle"/>
           </p:nvPr>
         </p:nvSpPr>
-        <p:spPr/>
+        <p:spPr>
+          <a:xfrm>
+            <a:off x="1097280" y="2497014"/>
+            <a:ext cx="10058400" cy="1828097"/>
+          </a:xfrm>
+        </p:spPr>
         <p:txBody>
           <a:bodyPr>
-            <a:normAutofit/>
+            <a:noAutofit/>
           </a:bodyPr>
           <a:lstStyle/>
           <a:p>
-            <a:r>
-              <a:rPr lang="ru-RU" sz="6600" dirty="0"/>
+            <a:pPr algn="ctr"/>
+            <a:r>
+              <a:rPr lang="ru-RU" sz="4800" dirty="0"/>
               <a:t>Разработка цифрового процессора эффектов для музыкальных инструментов</a:t>
             </a:r>
           </a:p>
@@ -4198,52 +4209,238 @@
       </p:sp>
       <p:sp>
         <p:nvSpPr>
-          <p:cNvPr id="3" name="Подзаголовок 2">
+          <p:cNvPr id="4" name="TextBox 3">
             <a:extLst>
               <a:ext uri="{FF2B5EF4-FFF2-40B4-BE49-F238E27FC236}">
-                <a16:creationId xmlns:a16="http://schemas.microsoft.com/office/drawing/2014/main" id="{9666ECD2-1890-4D43-A364-0758939C1A4B}"/>
+                <a16:creationId xmlns:a16="http://schemas.microsoft.com/office/drawing/2014/main" id="{2CD6DBCE-10C5-293C-BA02-619878D5BC7F}"/>
               </a:ext>
             </a:extLst>
           </p:cNvPr>
-          <p:cNvSpPr>
-            <a:spLocks noGrp="1"/>
-          </p:cNvSpPr>
-          <p:nvPr>
-            <p:ph type="subTitle" idx="1"/>
-          </p:nvPr>
-        </p:nvSpPr>
-        <p:spPr/>
-        <p:txBody>
-          <a:bodyPr/>
-          <a:lstStyle/>
-          <a:p>
-            <a:r>
-              <a:rPr lang="ru-RU" dirty="0" err="1"/>
-              <a:t>СТудент</a:t>
-            </a:r>
-            <a:r>
-              <a:rPr lang="ru-RU" dirty="0"/>
-              <a:t>: Я. Ф. </a:t>
-            </a:r>
-            <a:r>
-              <a:rPr lang="ru-RU" dirty="0" err="1"/>
-              <a:t>Кашапов</a:t>
-            </a:r>
-            <a:r>
-              <a:rPr lang="ru-RU" dirty="0"/>
-              <a:t>, КИ19-07б</a:t>
-            </a:r>
-          </a:p>
-          <a:p>
-            <a:r>
-              <a:rPr lang="ru-RU" dirty="0"/>
-              <a:t>Руководитель ВКР: А. Г. </a:t>
-            </a:r>
-            <a:r>
-              <a:rPr lang="ru-RU" dirty="0" err="1"/>
+          <p:cNvSpPr txBox="1"/>
+          <p:nvPr/>
+        </p:nvSpPr>
+        <p:spPr>
+          <a:xfrm>
+            <a:off x="1219200" y="316523"/>
+            <a:ext cx="10058400" cy="1754326"/>
+          </a:xfrm>
+          <a:prstGeom prst="rect">
+            <a:avLst/>
+          </a:prstGeom>
+          <a:noFill/>
+        </p:spPr>
+        <p:txBody>
+          <a:bodyPr wrap="square" rtlCol="0">
+            <a:spAutoFit/>
+          </a:bodyPr>
+          <a:lstStyle/>
+          <a:p>
+            <a:pPr algn="ctr"/>
+            <a:r>
+              <a:rPr lang="ru-RU" sz="1800" dirty="0">
+                <a:effectLst/>
+                <a:latin typeface="Times New Roman" panose="02020603050405020304" pitchFamily="18" charset="0"/>
+                <a:ea typeface="Times New Roman" panose="02020603050405020304" pitchFamily="18" charset="0"/>
+              </a:rPr>
+              <a:t>Министерство науки и высшего образования РФ</a:t>
+            </a:r>
+            <a:br>
+              <a:rPr lang="ru-RU" sz="1800" dirty="0">
+                <a:effectLst/>
+                <a:latin typeface="Times New Roman" panose="02020603050405020304" pitchFamily="18" charset="0"/>
+                <a:ea typeface="Times New Roman" panose="02020603050405020304" pitchFamily="18" charset="0"/>
+              </a:rPr>
+            </a:br>
+            <a:r>
+              <a:rPr lang="ru-RU" sz="1800" dirty="0">
+                <a:effectLst/>
+                <a:latin typeface="Times New Roman" panose="02020603050405020304" pitchFamily="18" charset="0"/>
+                <a:ea typeface="Times New Roman" panose="02020603050405020304" pitchFamily="18" charset="0"/>
+              </a:rPr>
+              <a:t>Федеральное государственное автономное</a:t>
+            </a:r>
+            <a:br>
+              <a:rPr lang="ru-RU" sz="1800" dirty="0">
+                <a:effectLst/>
+                <a:latin typeface="Times New Roman" panose="02020603050405020304" pitchFamily="18" charset="0"/>
+                <a:ea typeface="Times New Roman" panose="02020603050405020304" pitchFamily="18" charset="0"/>
+              </a:rPr>
+            </a:br>
+            <a:r>
+              <a:rPr lang="ru-RU" sz="1800" dirty="0">
+                <a:effectLst/>
+                <a:latin typeface="Times New Roman" panose="02020603050405020304" pitchFamily="18" charset="0"/>
+                <a:ea typeface="Times New Roman" panose="02020603050405020304" pitchFamily="18" charset="0"/>
+              </a:rPr>
+              <a:t>образовательное учреждение высшего профессионального образования</a:t>
+            </a:r>
+            <a:endParaRPr lang="en-US" sz="1800" dirty="0">
+              <a:effectLst/>
+              <a:latin typeface="Times New Roman" panose="02020603050405020304" pitchFamily="18" charset="0"/>
+              <a:ea typeface="Times New Roman" panose="02020603050405020304" pitchFamily="18" charset="0"/>
+            </a:endParaRPr>
+          </a:p>
+          <a:p>
+            <a:pPr algn="ctr"/>
+            <a:r>
+              <a:rPr lang="ru-RU" sz="1800" b="1" dirty="0">
+                <a:effectLst/>
+                <a:latin typeface="Times New Roman" panose="02020603050405020304" pitchFamily="18" charset="0"/>
+                <a:ea typeface="Times New Roman" panose="02020603050405020304" pitchFamily="18" charset="0"/>
+              </a:rPr>
+              <a:t>«СИБИРСКИЙ ФЕДЕРАЛЬНЫЙ УНИВЕРСИТЕТ»</a:t>
+            </a:r>
+            <a:r>
+              <a:rPr lang="en-RU" dirty="0">
+                <a:effectLst/>
+              </a:rPr>
+              <a:t> </a:t>
+            </a:r>
+            <a:endParaRPr lang="en-US" dirty="0">
+              <a:latin typeface="Times New Roman" panose="02020603050405020304" pitchFamily="18" charset="0"/>
+            </a:endParaRPr>
+          </a:p>
+          <a:p>
+            <a:pPr algn="ctr"/>
+            <a:r>
+              <a:rPr lang="ru-RU" sz="1800" dirty="0">
+                <a:effectLst/>
+                <a:latin typeface="Times New Roman" panose="02020603050405020304" pitchFamily="18" charset="0"/>
+                <a:ea typeface="Times New Roman" panose="02020603050405020304" pitchFamily="18" charset="0"/>
+              </a:rPr>
+              <a:t>Институт космических и информационных технологий</a:t>
+            </a:r>
+            <a:r>
+              <a:rPr lang="en-RU" dirty="0">
+                <a:effectLst/>
+              </a:rPr>
+              <a:t> </a:t>
+            </a:r>
+            <a:endParaRPr lang="en-US" b="1" dirty="0">
+              <a:effectLst/>
+              <a:latin typeface="Times New Roman" panose="02020603050405020304" pitchFamily="18" charset="0"/>
+            </a:endParaRPr>
+          </a:p>
+          <a:p>
+            <a:pPr algn="ctr"/>
+            <a:r>
+              <a:rPr lang="ru-RU" sz="1800" dirty="0">
+                <a:effectLst/>
+                <a:latin typeface="Times New Roman" panose="02020603050405020304" pitchFamily="18" charset="0"/>
+                <a:ea typeface="Times New Roman" panose="02020603050405020304" pitchFamily="18" charset="0"/>
+              </a:rPr>
+              <a:t>Кафедра вычислительной техники</a:t>
+            </a:r>
+            <a:r>
+              <a:rPr lang="en-RU" dirty="0">
+                <a:effectLst/>
+              </a:rPr>
+              <a:t>  </a:t>
+            </a:r>
+            <a:endParaRPr lang="en-RU" dirty="0"/>
+          </a:p>
+        </p:txBody>
+      </p:sp>
+      <p:sp>
+        <p:nvSpPr>
+          <p:cNvPr id="5" name="TextBox 4">
+            <a:extLst>
+              <a:ext uri="{FF2B5EF4-FFF2-40B4-BE49-F238E27FC236}">
+                <a16:creationId xmlns:a16="http://schemas.microsoft.com/office/drawing/2014/main" id="{E65A077B-4CB0-15E3-D262-AED3C99009AD}"/>
+              </a:ext>
+            </a:extLst>
+          </p:cNvPr>
+          <p:cNvSpPr txBox="1"/>
+          <p:nvPr/>
+        </p:nvSpPr>
+        <p:spPr>
+          <a:xfrm>
+            <a:off x="5194495" y="5615354"/>
+            <a:ext cx="1863969" cy="369332"/>
+          </a:xfrm>
+          <a:prstGeom prst="rect">
+            <a:avLst/>
+          </a:prstGeom>
+          <a:noFill/>
+        </p:spPr>
+        <p:txBody>
+          <a:bodyPr wrap="square" rtlCol="0">
+            <a:spAutoFit/>
+          </a:bodyPr>
+          <a:lstStyle/>
+          <a:p>
+            <a:r>
+              <a:rPr lang="ru-RU" dirty="0">
+                <a:latin typeface="Times New Roman" panose="02020603050405020304" pitchFamily="18" charset="0"/>
+                <a:cs typeface="Times New Roman" panose="02020603050405020304" pitchFamily="18" charset="0"/>
+              </a:rPr>
+              <a:t>Красноярск 2023</a:t>
+            </a:r>
+            <a:endParaRPr lang="en-RU" dirty="0">
+              <a:latin typeface="Times New Roman" panose="02020603050405020304" pitchFamily="18" charset="0"/>
+              <a:cs typeface="Times New Roman" panose="02020603050405020304" pitchFamily="18" charset="0"/>
+            </a:endParaRPr>
+          </a:p>
+        </p:txBody>
+      </p:sp>
+      <p:sp>
+        <p:nvSpPr>
+          <p:cNvPr id="8" name="TextBox 7">
+            <a:extLst>
+              <a:ext uri="{FF2B5EF4-FFF2-40B4-BE49-F238E27FC236}">
+                <a16:creationId xmlns:a16="http://schemas.microsoft.com/office/drawing/2014/main" id="{A2836D8A-0664-463F-6E46-E4A5225874EA}"/>
+              </a:ext>
+            </a:extLst>
+          </p:cNvPr>
+          <p:cNvSpPr txBox="1"/>
+          <p:nvPr/>
+        </p:nvSpPr>
+        <p:spPr>
+          <a:xfrm>
+            <a:off x="5626803" y="4508567"/>
+            <a:ext cx="5650797" cy="923330"/>
+          </a:xfrm>
+          <a:prstGeom prst="rect">
+            <a:avLst/>
+          </a:prstGeom>
+          <a:noFill/>
+        </p:spPr>
+        <p:txBody>
+          <a:bodyPr wrap="square" rtlCol="0">
+            <a:spAutoFit/>
+          </a:bodyPr>
+          <a:lstStyle/>
+          <a:p>
+            <a:r>
+              <a:rPr lang="ru-RU" dirty="0">
+                <a:latin typeface="Times New Roman" panose="02020603050405020304" pitchFamily="18" charset="0"/>
+                <a:cs typeface="Times New Roman" panose="02020603050405020304" pitchFamily="18" charset="0"/>
+              </a:rPr>
+              <a:t>Студент: Я. Ф. Кашапов, группа КИ19-07б</a:t>
+            </a:r>
+          </a:p>
+          <a:p>
+            <a:r>
+              <a:rPr lang="ru-RU" dirty="0">
+                <a:latin typeface="Times New Roman" panose="02020603050405020304" pitchFamily="18" charset="0"/>
+                <a:cs typeface="Times New Roman" panose="02020603050405020304" pitchFamily="18" charset="0"/>
+              </a:rPr>
+              <a:t>Руководитель ВКР: ст. преподаватель А. Г. </a:t>
+            </a:r>
+            <a:r>
+              <a:rPr lang="ru-RU" dirty="0" err="1">
+                <a:latin typeface="Times New Roman" panose="02020603050405020304" pitchFamily="18" charset="0"/>
+                <a:cs typeface="Times New Roman" panose="02020603050405020304" pitchFamily="18" charset="0"/>
+              </a:rPr>
               <a:t>Хантимиров</a:t>
             </a:r>
-            <a:endParaRPr lang="ru-RU" dirty="0"/>
+            <a:endParaRPr lang="ru-RU" dirty="0">
+              <a:latin typeface="Times New Roman" panose="02020603050405020304" pitchFamily="18" charset="0"/>
+              <a:cs typeface="Times New Roman" panose="02020603050405020304" pitchFamily="18" charset="0"/>
+            </a:endParaRPr>
+          </a:p>
+          <a:p>
+            <a:endParaRPr lang="en-RU" dirty="0"/>
           </a:p>
         </p:txBody>
       </p:sp>
@@ -4352,7 +4549,24 @@
             </a:pPr>
             <a:r>
               <a:rPr lang="ru-RU" sz="1800" dirty="0"/>
-              <a:t>задержка;</a:t>
+              <a:t>усиление;</a:t>
+            </a:r>
+          </a:p>
+          <a:p>
+            <a:pPr marL="0" indent="0">
+              <a:buNone/>
+            </a:pPr>
+            <a:r>
+              <a:rPr lang="ru-RU" sz="2800" dirty="0"/>
+              <a:t>В дальнейшем </a:t>
+            </a:r>
+            <a:r>
+              <a:rPr lang="ru-RU" sz="2800" b="1" dirty="0"/>
+              <a:t>планируется</a:t>
+            </a:r>
+            <a:r>
+              <a:rPr lang="ru-RU" sz="2800" dirty="0"/>
+              <a:t>:</a:t>
             </a:r>
           </a:p>
           <a:p>
@@ -4362,7 +4576,7 @@
             </a:pPr>
             <a:r>
               <a:rPr lang="ru-RU" sz="1800" dirty="0"/>
-              <a:t>тремоло;</a:t>
+              <a:t>добавить графический интерфейс пользователя с применением ЖК-дисплея;</a:t>
             </a:r>
           </a:p>
           <a:p>
@@ -4372,7 +4586,7 @@
             </a:pPr>
             <a:r>
               <a:rPr lang="ru-RU" sz="1800" dirty="0"/>
-              <a:t>усиление;</a:t>
+              <a:t>изготовить корпус для устройства;</a:t>
             </a:r>
           </a:p>
           <a:p>
@@ -4382,41 +4596,7 @@
             </a:pPr>
             <a:r>
               <a:rPr lang="ru-RU" sz="1800" dirty="0"/>
-              <a:t>искажение.</a:t>
-            </a:r>
-          </a:p>
-          <a:p>
-            <a:r>
-              <a:rPr lang="ru-RU" sz="2800" dirty="0"/>
-              <a:t>В дальнейшем </a:t>
-            </a:r>
-            <a:r>
-              <a:rPr lang="ru-RU" sz="2800" b="1" dirty="0"/>
-              <a:t>планируется</a:t>
-            </a:r>
-            <a:r>
-              <a:rPr lang="ru-RU" sz="2800" dirty="0"/>
-              <a:t>:</a:t>
-            </a:r>
-          </a:p>
-          <a:p>
-            <a:pPr lvl="2">
-              <a:buFont typeface="Arial" panose="020B0604020202020204" pitchFamily="34" charset="0"/>
-              <a:buChar char="•"/>
-            </a:pPr>
-            <a:r>
-              <a:rPr lang="ru-RU" sz="1800" dirty="0"/>
-              <a:t>добавить графический интерфейс пользователя с применением ЖК-дисплея;</a:t>
-            </a:r>
-          </a:p>
-          <a:p>
-            <a:pPr lvl="2">
-              <a:buFont typeface="Arial" panose="020B0604020202020204" pitchFamily="34" charset="0"/>
-              <a:buChar char="•"/>
-            </a:pPr>
-            <a:r>
-              <a:rPr lang="ru-RU" sz="1800" dirty="0"/>
-              <a:t>изготовить корпус для устройства.</a:t>
+              <a:t>добавить эффекты: искажение, задержка, тремоло. </a:t>
             </a:r>
           </a:p>
         </p:txBody>
